--- a/ppt 16-9/0814.主独自引导.pptx
+++ b/ppt 16-9/0814.主独自引导.pptx
@@ -129,7 +129,7 @@
           <p:cNvPr id="2" name="标题 1">
             <a:extLst>
               <a:ext uri="{FF2B5EF4-FFF2-40B4-BE49-F238E27FC236}">
-                <a16:creationId xmlns:a16="http://schemas.microsoft.com/office/drawing/2014/main" id="{D882ED9B-3EAC-3FDE-2DEB-492BD9C82658}"/>
+                <a16:creationId xmlns:a16="http://schemas.microsoft.com/office/drawing/2014/main" id="{8AC9FE80-C08A-9292-2D64-0C0D95C2DB21}"/>
               </a:ext>
             </a:extLst>
           </p:cNvPr>
@@ -166,7 +166,7 @@
           <p:cNvPr id="3" name="副标题 2">
             <a:extLst>
               <a:ext uri="{FF2B5EF4-FFF2-40B4-BE49-F238E27FC236}">
-                <a16:creationId xmlns:a16="http://schemas.microsoft.com/office/drawing/2014/main" id="{8AEF297B-495B-8AE8-65C3-04A8266D1D3E}"/>
+                <a16:creationId xmlns:a16="http://schemas.microsoft.com/office/drawing/2014/main" id="{41817103-0DBD-7FB6-4A8A-83C2178E9617}"/>
               </a:ext>
             </a:extLst>
           </p:cNvPr>
@@ -236,7 +236,7 @@
           <p:cNvPr id="4" name="日期占位符 3">
             <a:extLst>
               <a:ext uri="{FF2B5EF4-FFF2-40B4-BE49-F238E27FC236}">
-                <a16:creationId xmlns:a16="http://schemas.microsoft.com/office/drawing/2014/main" id="{B056DADA-4133-4F14-29EB-A6EEDD33B7FB}"/>
+                <a16:creationId xmlns:a16="http://schemas.microsoft.com/office/drawing/2014/main" id="{A2AFC813-25A6-D4A1-A2C8-207E916216C8}"/>
               </a:ext>
             </a:extLst>
           </p:cNvPr>
@@ -252,7 +252,7 @@
           <a:bodyPr/>
           <a:lstStyle/>
           <a:p>
-            <a:fld id="{F0276B85-FA05-4E97-8920-34AE6100716B}" type="datetimeFigureOut">
+            <a:fld id="{60AED17F-D7B4-484D-A9EF-6EDB8C65E731}" type="datetimeFigureOut">
               <a:rPr lang="zh-CN" altLang="en-US" smtClean="0"/>
               <a:t>2024/3/10</a:t>
             </a:fld>
@@ -265,7 +265,7 @@
           <p:cNvPr id="5" name="页脚占位符 4">
             <a:extLst>
               <a:ext uri="{FF2B5EF4-FFF2-40B4-BE49-F238E27FC236}">
-                <a16:creationId xmlns:a16="http://schemas.microsoft.com/office/drawing/2014/main" id="{6AED1EFA-C74D-F07B-10C9-95C5AA399973}"/>
+                <a16:creationId xmlns:a16="http://schemas.microsoft.com/office/drawing/2014/main" id="{BF8F9C33-9A4B-4BDC-FF1B-1219997DA1E1}"/>
               </a:ext>
             </a:extLst>
           </p:cNvPr>
@@ -290,7 +290,7 @@
           <p:cNvPr id="6" name="灯片编号占位符 5">
             <a:extLst>
               <a:ext uri="{FF2B5EF4-FFF2-40B4-BE49-F238E27FC236}">
-                <a16:creationId xmlns:a16="http://schemas.microsoft.com/office/drawing/2014/main" id="{53F9774E-F202-6D67-0D73-14740AB76A3D}"/>
+                <a16:creationId xmlns:a16="http://schemas.microsoft.com/office/drawing/2014/main" id="{B71317A3-FE46-D39A-3A2E-503206EE0630}"/>
               </a:ext>
             </a:extLst>
           </p:cNvPr>
@@ -306,7 +306,7 @@
           <a:bodyPr/>
           <a:lstStyle/>
           <a:p>
-            <a:fld id="{4B596281-6E48-463C-9754-F0E5F29AC31B}" type="slidenum">
+            <a:fld id="{7EB7BB58-02C7-421C-8459-3A9CF1F5B714}" type="slidenum">
               <a:rPr lang="zh-CN" altLang="en-US" smtClean="0"/>
               <a:t>‹#›</a:t>
             </a:fld>
@@ -317,7 +317,7 @@
     </p:spTree>
     <p:extLst>
       <p:ext uri="{BB962C8B-B14F-4D97-AF65-F5344CB8AC3E}">
-        <p14:creationId xmlns:p14="http://schemas.microsoft.com/office/powerpoint/2010/main" val="4018532458"/>
+        <p14:creationId xmlns:p14="http://schemas.microsoft.com/office/powerpoint/2010/main" val="903101625"/>
       </p:ext>
     </p:extLst>
   </p:cSld>
@@ -349,7 +349,7 @@
           <p:cNvPr id="2" name="标题 1">
             <a:extLst>
               <a:ext uri="{FF2B5EF4-FFF2-40B4-BE49-F238E27FC236}">
-                <a16:creationId xmlns:a16="http://schemas.microsoft.com/office/drawing/2014/main" id="{EAA3F5B8-E377-A01E-F799-681144FAC873}"/>
+                <a16:creationId xmlns:a16="http://schemas.microsoft.com/office/drawing/2014/main" id="{DD7503B2-0A87-1824-CCE3-0BD3E4627363}"/>
               </a:ext>
             </a:extLst>
           </p:cNvPr>
@@ -377,7 +377,7 @@
           <p:cNvPr id="3" name="竖排文字占位符 2">
             <a:extLst>
               <a:ext uri="{FF2B5EF4-FFF2-40B4-BE49-F238E27FC236}">
-                <a16:creationId xmlns:a16="http://schemas.microsoft.com/office/drawing/2014/main" id="{C9669FDD-4F37-93B9-9FC6-59C0BF27C1A6}"/>
+                <a16:creationId xmlns:a16="http://schemas.microsoft.com/office/drawing/2014/main" id="{93DCFA35-9068-646D-DC51-3A24063C068E}"/>
               </a:ext>
             </a:extLst>
           </p:cNvPr>
@@ -434,7 +434,7 @@
           <p:cNvPr id="4" name="日期占位符 3">
             <a:extLst>
               <a:ext uri="{FF2B5EF4-FFF2-40B4-BE49-F238E27FC236}">
-                <a16:creationId xmlns:a16="http://schemas.microsoft.com/office/drawing/2014/main" id="{DA1E90CE-34AA-9B18-A1AD-AFC0D2564E39}"/>
+                <a16:creationId xmlns:a16="http://schemas.microsoft.com/office/drawing/2014/main" id="{14FEA6C9-3E71-5363-EE71-F136FC58E225}"/>
               </a:ext>
             </a:extLst>
           </p:cNvPr>
@@ -450,7 +450,7 @@
           <a:bodyPr/>
           <a:lstStyle/>
           <a:p>
-            <a:fld id="{F0276B85-FA05-4E97-8920-34AE6100716B}" type="datetimeFigureOut">
+            <a:fld id="{60AED17F-D7B4-484D-A9EF-6EDB8C65E731}" type="datetimeFigureOut">
               <a:rPr lang="zh-CN" altLang="en-US" smtClean="0"/>
               <a:t>2024/3/10</a:t>
             </a:fld>
@@ -463,7 +463,7 @@
           <p:cNvPr id="5" name="页脚占位符 4">
             <a:extLst>
               <a:ext uri="{FF2B5EF4-FFF2-40B4-BE49-F238E27FC236}">
-                <a16:creationId xmlns:a16="http://schemas.microsoft.com/office/drawing/2014/main" id="{50690E12-BA6C-45A4-47A5-DF2CE7C5BF7B}"/>
+                <a16:creationId xmlns:a16="http://schemas.microsoft.com/office/drawing/2014/main" id="{EA10B44D-0FD2-2501-1CF1-A628EA7C96EB}"/>
               </a:ext>
             </a:extLst>
           </p:cNvPr>
@@ -488,7 +488,7 @@
           <p:cNvPr id="6" name="灯片编号占位符 5">
             <a:extLst>
               <a:ext uri="{FF2B5EF4-FFF2-40B4-BE49-F238E27FC236}">
-                <a16:creationId xmlns:a16="http://schemas.microsoft.com/office/drawing/2014/main" id="{1747B167-18B4-DD4B-DE82-B37ACA25BC1A}"/>
+                <a16:creationId xmlns:a16="http://schemas.microsoft.com/office/drawing/2014/main" id="{DBB97482-9F5B-14CF-0370-E57ABC720AFA}"/>
               </a:ext>
             </a:extLst>
           </p:cNvPr>
@@ -504,7 +504,7 @@
           <a:bodyPr/>
           <a:lstStyle/>
           <a:p>
-            <a:fld id="{4B596281-6E48-463C-9754-F0E5F29AC31B}" type="slidenum">
+            <a:fld id="{7EB7BB58-02C7-421C-8459-3A9CF1F5B714}" type="slidenum">
               <a:rPr lang="zh-CN" altLang="en-US" smtClean="0"/>
               <a:t>‹#›</a:t>
             </a:fld>
@@ -515,7 +515,7 @@
     </p:spTree>
     <p:extLst>
       <p:ext uri="{BB962C8B-B14F-4D97-AF65-F5344CB8AC3E}">
-        <p14:creationId xmlns:p14="http://schemas.microsoft.com/office/powerpoint/2010/main" val="4030511557"/>
+        <p14:creationId xmlns:p14="http://schemas.microsoft.com/office/powerpoint/2010/main" val="2741364466"/>
       </p:ext>
     </p:extLst>
   </p:cSld>
@@ -547,7 +547,7 @@
           <p:cNvPr id="2" name="竖排标题 1">
             <a:extLst>
               <a:ext uri="{FF2B5EF4-FFF2-40B4-BE49-F238E27FC236}">
-                <a16:creationId xmlns:a16="http://schemas.microsoft.com/office/drawing/2014/main" id="{CFFEF030-D56F-5C4C-8570-AF4DE3F150AE}"/>
+                <a16:creationId xmlns:a16="http://schemas.microsoft.com/office/drawing/2014/main" id="{8275759D-DE2A-47B6-EBFC-11065C054044}"/>
               </a:ext>
             </a:extLst>
           </p:cNvPr>
@@ -580,7 +580,7 @@
           <p:cNvPr id="3" name="竖排文字占位符 2">
             <a:extLst>
               <a:ext uri="{FF2B5EF4-FFF2-40B4-BE49-F238E27FC236}">
-                <a16:creationId xmlns:a16="http://schemas.microsoft.com/office/drawing/2014/main" id="{0C28B69B-5DD9-646C-F3C1-1762A45BBB7C}"/>
+                <a16:creationId xmlns:a16="http://schemas.microsoft.com/office/drawing/2014/main" id="{50EF6DCB-AD93-CB7D-4BCE-44CB96740594}"/>
               </a:ext>
             </a:extLst>
           </p:cNvPr>
@@ -642,7 +642,7 @@
           <p:cNvPr id="4" name="日期占位符 3">
             <a:extLst>
               <a:ext uri="{FF2B5EF4-FFF2-40B4-BE49-F238E27FC236}">
-                <a16:creationId xmlns:a16="http://schemas.microsoft.com/office/drawing/2014/main" id="{5C83AEB8-5F96-E227-E80B-F1AEE458573C}"/>
+                <a16:creationId xmlns:a16="http://schemas.microsoft.com/office/drawing/2014/main" id="{67ACFAD8-7A56-849C-F259-5ED8AA32CA65}"/>
               </a:ext>
             </a:extLst>
           </p:cNvPr>
@@ -658,7 +658,7 @@
           <a:bodyPr/>
           <a:lstStyle/>
           <a:p>
-            <a:fld id="{F0276B85-FA05-4E97-8920-34AE6100716B}" type="datetimeFigureOut">
+            <a:fld id="{60AED17F-D7B4-484D-A9EF-6EDB8C65E731}" type="datetimeFigureOut">
               <a:rPr lang="zh-CN" altLang="en-US" smtClean="0"/>
               <a:t>2024/3/10</a:t>
             </a:fld>
@@ -671,7 +671,7 @@
           <p:cNvPr id="5" name="页脚占位符 4">
             <a:extLst>
               <a:ext uri="{FF2B5EF4-FFF2-40B4-BE49-F238E27FC236}">
-                <a16:creationId xmlns:a16="http://schemas.microsoft.com/office/drawing/2014/main" id="{97FB3704-493B-F729-9BC8-08187553A021}"/>
+                <a16:creationId xmlns:a16="http://schemas.microsoft.com/office/drawing/2014/main" id="{A06738B1-3BC8-4538-A620-C5DE7F406634}"/>
               </a:ext>
             </a:extLst>
           </p:cNvPr>
@@ -696,7 +696,7 @@
           <p:cNvPr id="6" name="灯片编号占位符 5">
             <a:extLst>
               <a:ext uri="{FF2B5EF4-FFF2-40B4-BE49-F238E27FC236}">
-                <a16:creationId xmlns:a16="http://schemas.microsoft.com/office/drawing/2014/main" id="{1FFFA7AD-74D0-C7D6-2C7A-9125270E49B5}"/>
+                <a16:creationId xmlns:a16="http://schemas.microsoft.com/office/drawing/2014/main" id="{D8D8E046-53DA-D2C1-1FAF-9829F111AB91}"/>
               </a:ext>
             </a:extLst>
           </p:cNvPr>
@@ -712,7 +712,7 @@
           <a:bodyPr/>
           <a:lstStyle/>
           <a:p>
-            <a:fld id="{4B596281-6E48-463C-9754-F0E5F29AC31B}" type="slidenum">
+            <a:fld id="{7EB7BB58-02C7-421C-8459-3A9CF1F5B714}" type="slidenum">
               <a:rPr lang="zh-CN" altLang="en-US" smtClean="0"/>
               <a:t>‹#›</a:t>
             </a:fld>
@@ -723,7 +723,7 @@
     </p:spTree>
     <p:extLst>
       <p:ext uri="{BB962C8B-B14F-4D97-AF65-F5344CB8AC3E}">
-        <p14:creationId xmlns:p14="http://schemas.microsoft.com/office/powerpoint/2010/main" val="708717112"/>
+        <p14:creationId xmlns:p14="http://schemas.microsoft.com/office/powerpoint/2010/main" val="3464171906"/>
       </p:ext>
     </p:extLst>
   </p:cSld>
@@ -755,7 +755,7 @@
           <p:cNvPr id="2" name="标题 1">
             <a:extLst>
               <a:ext uri="{FF2B5EF4-FFF2-40B4-BE49-F238E27FC236}">
-                <a16:creationId xmlns:a16="http://schemas.microsoft.com/office/drawing/2014/main" id="{463AADA3-200A-322F-AE0D-54E80CBE6D05}"/>
+                <a16:creationId xmlns:a16="http://schemas.microsoft.com/office/drawing/2014/main" id="{428A58A8-DDB4-C92C-C3BE-BE69FB62DB84}"/>
               </a:ext>
             </a:extLst>
           </p:cNvPr>
@@ -783,7 +783,7 @@
           <p:cNvPr id="3" name="内容占位符 2">
             <a:extLst>
               <a:ext uri="{FF2B5EF4-FFF2-40B4-BE49-F238E27FC236}">
-                <a16:creationId xmlns:a16="http://schemas.microsoft.com/office/drawing/2014/main" id="{BCCEA7F4-4522-5A79-3496-0765D4418B25}"/>
+                <a16:creationId xmlns:a16="http://schemas.microsoft.com/office/drawing/2014/main" id="{4775B3F3-C23D-5D19-1942-17E2749CFA57}"/>
               </a:ext>
             </a:extLst>
           </p:cNvPr>
@@ -840,7 +840,7 @@
           <p:cNvPr id="4" name="日期占位符 3">
             <a:extLst>
               <a:ext uri="{FF2B5EF4-FFF2-40B4-BE49-F238E27FC236}">
-                <a16:creationId xmlns:a16="http://schemas.microsoft.com/office/drawing/2014/main" id="{E8F2F35E-423F-80A1-9C27-D508546E6ED3}"/>
+                <a16:creationId xmlns:a16="http://schemas.microsoft.com/office/drawing/2014/main" id="{D04D7329-D18C-BEAA-C63D-CD260D580A8D}"/>
               </a:ext>
             </a:extLst>
           </p:cNvPr>
@@ -856,7 +856,7 @@
           <a:bodyPr/>
           <a:lstStyle/>
           <a:p>
-            <a:fld id="{F0276B85-FA05-4E97-8920-34AE6100716B}" type="datetimeFigureOut">
+            <a:fld id="{60AED17F-D7B4-484D-A9EF-6EDB8C65E731}" type="datetimeFigureOut">
               <a:rPr lang="zh-CN" altLang="en-US" smtClean="0"/>
               <a:t>2024/3/10</a:t>
             </a:fld>
@@ -869,7 +869,7 @@
           <p:cNvPr id="5" name="页脚占位符 4">
             <a:extLst>
               <a:ext uri="{FF2B5EF4-FFF2-40B4-BE49-F238E27FC236}">
-                <a16:creationId xmlns:a16="http://schemas.microsoft.com/office/drawing/2014/main" id="{0924245B-6955-F081-5714-BA49D124DD82}"/>
+                <a16:creationId xmlns:a16="http://schemas.microsoft.com/office/drawing/2014/main" id="{F09666B3-B638-C055-3EBE-F49DBE6B4E98}"/>
               </a:ext>
             </a:extLst>
           </p:cNvPr>
@@ -894,7 +894,7 @@
           <p:cNvPr id="6" name="灯片编号占位符 5">
             <a:extLst>
               <a:ext uri="{FF2B5EF4-FFF2-40B4-BE49-F238E27FC236}">
-                <a16:creationId xmlns:a16="http://schemas.microsoft.com/office/drawing/2014/main" id="{D760D0BE-E83D-8815-6F75-7F2326D31BD8}"/>
+                <a16:creationId xmlns:a16="http://schemas.microsoft.com/office/drawing/2014/main" id="{442974BB-8033-CCEC-4E77-486E8C2853C0}"/>
               </a:ext>
             </a:extLst>
           </p:cNvPr>
@@ -910,7 +910,7 @@
           <a:bodyPr/>
           <a:lstStyle/>
           <a:p>
-            <a:fld id="{4B596281-6E48-463C-9754-F0E5F29AC31B}" type="slidenum">
+            <a:fld id="{7EB7BB58-02C7-421C-8459-3A9CF1F5B714}" type="slidenum">
               <a:rPr lang="zh-CN" altLang="en-US" smtClean="0"/>
               <a:t>‹#›</a:t>
             </a:fld>
@@ -921,7 +921,7 @@
     </p:spTree>
     <p:extLst>
       <p:ext uri="{BB962C8B-B14F-4D97-AF65-F5344CB8AC3E}">
-        <p14:creationId xmlns:p14="http://schemas.microsoft.com/office/powerpoint/2010/main" val="1465187258"/>
+        <p14:creationId xmlns:p14="http://schemas.microsoft.com/office/powerpoint/2010/main" val="2607535166"/>
       </p:ext>
     </p:extLst>
   </p:cSld>
@@ -953,7 +953,7 @@
           <p:cNvPr id="2" name="标题 1">
             <a:extLst>
               <a:ext uri="{FF2B5EF4-FFF2-40B4-BE49-F238E27FC236}">
-                <a16:creationId xmlns:a16="http://schemas.microsoft.com/office/drawing/2014/main" id="{51E6CB8E-FFE7-E280-EB73-83C9B0E77E61}"/>
+                <a16:creationId xmlns:a16="http://schemas.microsoft.com/office/drawing/2014/main" id="{51D337B1-F78D-E64A-263C-5621BD7EC912}"/>
               </a:ext>
             </a:extLst>
           </p:cNvPr>
@@ -990,7 +990,7 @@
           <p:cNvPr id="3" name="文本占位符 2">
             <a:extLst>
               <a:ext uri="{FF2B5EF4-FFF2-40B4-BE49-F238E27FC236}">
-                <a16:creationId xmlns:a16="http://schemas.microsoft.com/office/drawing/2014/main" id="{1A997FEF-D247-2570-20BA-265ECFC8BDA4}"/>
+                <a16:creationId xmlns:a16="http://schemas.microsoft.com/office/drawing/2014/main" id="{5497401F-454B-D503-D146-5F6E245B1526}"/>
               </a:ext>
             </a:extLst>
           </p:cNvPr>
@@ -1115,7 +1115,7 @@
           <p:cNvPr id="4" name="日期占位符 3">
             <a:extLst>
               <a:ext uri="{FF2B5EF4-FFF2-40B4-BE49-F238E27FC236}">
-                <a16:creationId xmlns:a16="http://schemas.microsoft.com/office/drawing/2014/main" id="{073D28E4-D3B6-F220-8AB9-99C1B8991768}"/>
+                <a16:creationId xmlns:a16="http://schemas.microsoft.com/office/drawing/2014/main" id="{8A3883DB-E2D8-BFDE-5DE3-6C26E79229BF}"/>
               </a:ext>
             </a:extLst>
           </p:cNvPr>
@@ -1131,7 +1131,7 @@
           <a:bodyPr/>
           <a:lstStyle/>
           <a:p>
-            <a:fld id="{F0276B85-FA05-4E97-8920-34AE6100716B}" type="datetimeFigureOut">
+            <a:fld id="{60AED17F-D7B4-484D-A9EF-6EDB8C65E731}" type="datetimeFigureOut">
               <a:rPr lang="zh-CN" altLang="en-US" smtClean="0"/>
               <a:t>2024/3/10</a:t>
             </a:fld>
@@ -1144,7 +1144,7 @@
           <p:cNvPr id="5" name="页脚占位符 4">
             <a:extLst>
               <a:ext uri="{FF2B5EF4-FFF2-40B4-BE49-F238E27FC236}">
-                <a16:creationId xmlns:a16="http://schemas.microsoft.com/office/drawing/2014/main" id="{F75ED8A8-37DA-34DB-FE43-4C2FD398FC77}"/>
+                <a16:creationId xmlns:a16="http://schemas.microsoft.com/office/drawing/2014/main" id="{5E511979-08B0-4EEA-EDF3-E879F6CC76C7}"/>
               </a:ext>
             </a:extLst>
           </p:cNvPr>
@@ -1169,7 +1169,7 @@
           <p:cNvPr id="6" name="灯片编号占位符 5">
             <a:extLst>
               <a:ext uri="{FF2B5EF4-FFF2-40B4-BE49-F238E27FC236}">
-                <a16:creationId xmlns:a16="http://schemas.microsoft.com/office/drawing/2014/main" id="{073D3012-08FC-9ADE-0BF6-78A60BD9E0F7}"/>
+                <a16:creationId xmlns:a16="http://schemas.microsoft.com/office/drawing/2014/main" id="{240B0E2C-A70B-4770-2574-0004EBD8A743}"/>
               </a:ext>
             </a:extLst>
           </p:cNvPr>
@@ -1185,7 +1185,7 @@
           <a:bodyPr/>
           <a:lstStyle/>
           <a:p>
-            <a:fld id="{4B596281-6E48-463C-9754-F0E5F29AC31B}" type="slidenum">
+            <a:fld id="{7EB7BB58-02C7-421C-8459-3A9CF1F5B714}" type="slidenum">
               <a:rPr lang="zh-CN" altLang="en-US" smtClean="0"/>
               <a:t>‹#›</a:t>
             </a:fld>
@@ -1196,7 +1196,7 @@
     </p:spTree>
     <p:extLst>
       <p:ext uri="{BB962C8B-B14F-4D97-AF65-F5344CB8AC3E}">
-        <p14:creationId xmlns:p14="http://schemas.microsoft.com/office/powerpoint/2010/main" val="2258580329"/>
+        <p14:creationId xmlns:p14="http://schemas.microsoft.com/office/powerpoint/2010/main" val="2957280322"/>
       </p:ext>
     </p:extLst>
   </p:cSld>
@@ -1228,7 +1228,7 @@
           <p:cNvPr id="2" name="标题 1">
             <a:extLst>
               <a:ext uri="{FF2B5EF4-FFF2-40B4-BE49-F238E27FC236}">
-                <a16:creationId xmlns:a16="http://schemas.microsoft.com/office/drawing/2014/main" id="{9F40BD28-4B4B-174E-13CA-1BDEDB550C22}"/>
+                <a16:creationId xmlns:a16="http://schemas.microsoft.com/office/drawing/2014/main" id="{BE7917A3-64B0-8211-E4A8-C317E4667222}"/>
               </a:ext>
             </a:extLst>
           </p:cNvPr>
@@ -1256,7 +1256,7 @@
           <p:cNvPr id="3" name="内容占位符 2">
             <a:extLst>
               <a:ext uri="{FF2B5EF4-FFF2-40B4-BE49-F238E27FC236}">
-                <a16:creationId xmlns:a16="http://schemas.microsoft.com/office/drawing/2014/main" id="{85F82CDD-035D-3063-44EC-F1B561EC380F}"/>
+                <a16:creationId xmlns:a16="http://schemas.microsoft.com/office/drawing/2014/main" id="{88A9E5DE-4625-BEEB-AF1D-C7951BE47A8F}"/>
               </a:ext>
             </a:extLst>
           </p:cNvPr>
@@ -1318,7 +1318,7 @@
           <p:cNvPr id="4" name="内容占位符 3">
             <a:extLst>
               <a:ext uri="{FF2B5EF4-FFF2-40B4-BE49-F238E27FC236}">
-                <a16:creationId xmlns:a16="http://schemas.microsoft.com/office/drawing/2014/main" id="{25742546-2FA0-FC5E-9EDD-76E7B0AFAAD6}"/>
+                <a16:creationId xmlns:a16="http://schemas.microsoft.com/office/drawing/2014/main" id="{65FD4824-04B7-24EE-46F0-F223B6212FB7}"/>
               </a:ext>
             </a:extLst>
           </p:cNvPr>
@@ -1380,7 +1380,7 @@
           <p:cNvPr id="5" name="日期占位符 4">
             <a:extLst>
               <a:ext uri="{FF2B5EF4-FFF2-40B4-BE49-F238E27FC236}">
-                <a16:creationId xmlns:a16="http://schemas.microsoft.com/office/drawing/2014/main" id="{1163B5D2-1296-9528-AA4D-32209661F069}"/>
+                <a16:creationId xmlns:a16="http://schemas.microsoft.com/office/drawing/2014/main" id="{29FFC31E-1BB4-FCB6-7F20-184CB2DE422F}"/>
               </a:ext>
             </a:extLst>
           </p:cNvPr>
@@ -1396,7 +1396,7 @@
           <a:bodyPr/>
           <a:lstStyle/>
           <a:p>
-            <a:fld id="{F0276B85-FA05-4E97-8920-34AE6100716B}" type="datetimeFigureOut">
+            <a:fld id="{60AED17F-D7B4-484D-A9EF-6EDB8C65E731}" type="datetimeFigureOut">
               <a:rPr lang="zh-CN" altLang="en-US" smtClean="0"/>
               <a:t>2024/3/10</a:t>
             </a:fld>
@@ -1409,7 +1409,7 @@
           <p:cNvPr id="6" name="页脚占位符 5">
             <a:extLst>
               <a:ext uri="{FF2B5EF4-FFF2-40B4-BE49-F238E27FC236}">
-                <a16:creationId xmlns:a16="http://schemas.microsoft.com/office/drawing/2014/main" id="{63536A98-33EA-041E-C471-5D7C14D04F49}"/>
+                <a16:creationId xmlns:a16="http://schemas.microsoft.com/office/drawing/2014/main" id="{124C49D2-1008-EB09-FA4A-DA1356D590A8}"/>
               </a:ext>
             </a:extLst>
           </p:cNvPr>
@@ -1434,7 +1434,7 @@
           <p:cNvPr id="7" name="灯片编号占位符 6">
             <a:extLst>
               <a:ext uri="{FF2B5EF4-FFF2-40B4-BE49-F238E27FC236}">
-                <a16:creationId xmlns:a16="http://schemas.microsoft.com/office/drawing/2014/main" id="{A9538FE7-99AB-6625-D6B6-2F8E18C86C0B}"/>
+                <a16:creationId xmlns:a16="http://schemas.microsoft.com/office/drawing/2014/main" id="{CE99EBE5-3B30-D6B8-9A1B-8B4DAFDD2F01}"/>
               </a:ext>
             </a:extLst>
           </p:cNvPr>
@@ -1450,7 +1450,7 @@
           <a:bodyPr/>
           <a:lstStyle/>
           <a:p>
-            <a:fld id="{4B596281-6E48-463C-9754-F0E5F29AC31B}" type="slidenum">
+            <a:fld id="{7EB7BB58-02C7-421C-8459-3A9CF1F5B714}" type="slidenum">
               <a:rPr lang="zh-CN" altLang="en-US" smtClean="0"/>
               <a:t>‹#›</a:t>
             </a:fld>
@@ -1461,7 +1461,7 @@
     </p:spTree>
     <p:extLst>
       <p:ext uri="{BB962C8B-B14F-4D97-AF65-F5344CB8AC3E}">
-        <p14:creationId xmlns:p14="http://schemas.microsoft.com/office/powerpoint/2010/main" val="3605805729"/>
+        <p14:creationId xmlns:p14="http://schemas.microsoft.com/office/powerpoint/2010/main" val="1256726628"/>
       </p:ext>
     </p:extLst>
   </p:cSld>
@@ -1493,7 +1493,7 @@
           <p:cNvPr id="2" name="标题 1">
             <a:extLst>
               <a:ext uri="{FF2B5EF4-FFF2-40B4-BE49-F238E27FC236}">
-                <a16:creationId xmlns:a16="http://schemas.microsoft.com/office/drawing/2014/main" id="{07C89F92-915F-DE00-8A18-D531204EBF21}"/>
+                <a16:creationId xmlns:a16="http://schemas.microsoft.com/office/drawing/2014/main" id="{51D075B2-A67A-6A77-28D0-AAAF6E07D3F8}"/>
               </a:ext>
             </a:extLst>
           </p:cNvPr>
@@ -1526,7 +1526,7 @@
           <p:cNvPr id="3" name="文本占位符 2">
             <a:extLst>
               <a:ext uri="{FF2B5EF4-FFF2-40B4-BE49-F238E27FC236}">
-                <a16:creationId xmlns:a16="http://schemas.microsoft.com/office/drawing/2014/main" id="{6AF1E8B0-539D-30CA-F88C-AA83948054A7}"/>
+                <a16:creationId xmlns:a16="http://schemas.microsoft.com/office/drawing/2014/main" id="{39B27530-A9E4-36B6-F9D0-19AC8515A5A5}"/>
               </a:ext>
             </a:extLst>
           </p:cNvPr>
@@ -1597,7 +1597,7 @@
           <p:cNvPr id="4" name="内容占位符 3">
             <a:extLst>
               <a:ext uri="{FF2B5EF4-FFF2-40B4-BE49-F238E27FC236}">
-                <a16:creationId xmlns:a16="http://schemas.microsoft.com/office/drawing/2014/main" id="{876EE7C1-8401-253E-45EF-47DBE1B7B54A}"/>
+                <a16:creationId xmlns:a16="http://schemas.microsoft.com/office/drawing/2014/main" id="{A44DBFD8-842F-12DA-0FEC-0094EE578EF7}"/>
               </a:ext>
             </a:extLst>
           </p:cNvPr>
@@ -1659,7 +1659,7 @@
           <p:cNvPr id="5" name="文本占位符 4">
             <a:extLst>
               <a:ext uri="{FF2B5EF4-FFF2-40B4-BE49-F238E27FC236}">
-                <a16:creationId xmlns:a16="http://schemas.microsoft.com/office/drawing/2014/main" id="{636CB8D3-B659-F050-FB68-7742C3100510}"/>
+                <a16:creationId xmlns:a16="http://schemas.microsoft.com/office/drawing/2014/main" id="{B2839FF8-25E7-86C5-8CCA-DB2750F33202}"/>
               </a:ext>
             </a:extLst>
           </p:cNvPr>
@@ -1730,7 +1730,7 @@
           <p:cNvPr id="6" name="内容占位符 5">
             <a:extLst>
               <a:ext uri="{FF2B5EF4-FFF2-40B4-BE49-F238E27FC236}">
-                <a16:creationId xmlns:a16="http://schemas.microsoft.com/office/drawing/2014/main" id="{2A617CE6-B7F3-FE70-8784-B1AB2EEFF2C6}"/>
+                <a16:creationId xmlns:a16="http://schemas.microsoft.com/office/drawing/2014/main" id="{CD740D07-A493-2393-6C1F-6F39AE409856}"/>
               </a:ext>
             </a:extLst>
           </p:cNvPr>
@@ -1792,7 +1792,7 @@
           <p:cNvPr id="7" name="日期占位符 6">
             <a:extLst>
               <a:ext uri="{FF2B5EF4-FFF2-40B4-BE49-F238E27FC236}">
-                <a16:creationId xmlns:a16="http://schemas.microsoft.com/office/drawing/2014/main" id="{E0971B8C-D165-09FE-B33A-89A311C335BF}"/>
+                <a16:creationId xmlns:a16="http://schemas.microsoft.com/office/drawing/2014/main" id="{215A88FA-DC77-7D3C-2E60-26EB6D0156CA}"/>
               </a:ext>
             </a:extLst>
           </p:cNvPr>
@@ -1808,7 +1808,7 @@
           <a:bodyPr/>
           <a:lstStyle/>
           <a:p>
-            <a:fld id="{F0276B85-FA05-4E97-8920-34AE6100716B}" type="datetimeFigureOut">
+            <a:fld id="{60AED17F-D7B4-484D-A9EF-6EDB8C65E731}" type="datetimeFigureOut">
               <a:rPr lang="zh-CN" altLang="en-US" smtClean="0"/>
               <a:t>2024/3/10</a:t>
             </a:fld>
@@ -1821,7 +1821,7 @@
           <p:cNvPr id="8" name="页脚占位符 7">
             <a:extLst>
               <a:ext uri="{FF2B5EF4-FFF2-40B4-BE49-F238E27FC236}">
-                <a16:creationId xmlns:a16="http://schemas.microsoft.com/office/drawing/2014/main" id="{1FE1C3C9-A44D-B14D-2713-08C481DC2FC8}"/>
+                <a16:creationId xmlns:a16="http://schemas.microsoft.com/office/drawing/2014/main" id="{D613D6F6-CF88-3BDF-0175-1B093658E416}"/>
               </a:ext>
             </a:extLst>
           </p:cNvPr>
@@ -1846,7 +1846,7 @@
           <p:cNvPr id="9" name="灯片编号占位符 8">
             <a:extLst>
               <a:ext uri="{FF2B5EF4-FFF2-40B4-BE49-F238E27FC236}">
-                <a16:creationId xmlns:a16="http://schemas.microsoft.com/office/drawing/2014/main" id="{A6A62AD7-6A35-E883-9EC4-51A6ACDA70D7}"/>
+                <a16:creationId xmlns:a16="http://schemas.microsoft.com/office/drawing/2014/main" id="{95FB36B5-F182-ADDC-5832-10F41198FDA5}"/>
               </a:ext>
             </a:extLst>
           </p:cNvPr>
@@ -1862,7 +1862,7 @@
           <a:bodyPr/>
           <a:lstStyle/>
           <a:p>
-            <a:fld id="{4B596281-6E48-463C-9754-F0E5F29AC31B}" type="slidenum">
+            <a:fld id="{7EB7BB58-02C7-421C-8459-3A9CF1F5B714}" type="slidenum">
               <a:rPr lang="zh-CN" altLang="en-US" smtClean="0"/>
               <a:t>‹#›</a:t>
             </a:fld>
@@ -1873,7 +1873,7 @@
     </p:spTree>
     <p:extLst>
       <p:ext uri="{BB962C8B-B14F-4D97-AF65-F5344CB8AC3E}">
-        <p14:creationId xmlns:p14="http://schemas.microsoft.com/office/powerpoint/2010/main" val="528288983"/>
+        <p14:creationId xmlns:p14="http://schemas.microsoft.com/office/powerpoint/2010/main" val="225481984"/>
       </p:ext>
     </p:extLst>
   </p:cSld>
@@ -1905,7 +1905,7 @@
           <p:cNvPr id="2" name="标题 1">
             <a:extLst>
               <a:ext uri="{FF2B5EF4-FFF2-40B4-BE49-F238E27FC236}">
-                <a16:creationId xmlns:a16="http://schemas.microsoft.com/office/drawing/2014/main" id="{F24E0581-4C5F-3386-8428-4A0AE466BD76}"/>
+                <a16:creationId xmlns:a16="http://schemas.microsoft.com/office/drawing/2014/main" id="{5F53FDE3-FE9C-B247-6E33-B0227AA5FDD3}"/>
               </a:ext>
             </a:extLst>
           </p:cNvPr>
@@ -1933,7 +1933,7 @@
           <p:cNvPr id="3" name="日期占位符 2">
             <a:extLst>
               <a:ext uri="{FF2B5EF4-FFF2-40B4-BE49-F238E27FC236}">
-                <a16:creationId xmlns:a16="http://schemas.microsoft.com/office/drawing/2014/main" id="{2527750D-2FAB-FEC6-A1CE-32C1CE841459}"/>
+                <a16:creationId xmlns:a16="http://schemas.microsoft.com/office/drawing/2014/main" id="{716487E4-8066-28D7-B85C-3F7AD331F53F}"/>
               </a:ext>
             </a:extLst>
           </p:cNvPr>
@@ -1949,7 +1949,7 @@
           <a:bodyPr/>
           <a:lstStyle/>
           <a:p>
-            <a:fld id="{F0276B85-FA05-4E97-8920-34AE6100716B}" type="datetimeFigureOut">
+            <a:fld id="{60AED17F-D7B4-484D-A9EF-6EDB8C65E731}" type="datetimeFigureOut">
               <a:rPr lang="zh-CN" altLang="en-US" smtClean="0"/>
               <a:t>2024/3/10</a:t>
             </a:fld>
@@ -1962,7 +1962,7 @@
           <p:cNvPr id="4" name="页脚占位符 3">
             <a:extLst>
               <a:ext uri="{FF2B5EF4-FFF2-40B4-BE49-F238E27FC236}">
-                <a16:creationId xmlns:a16="http://schemas.microsoft.com/office/drawing/2014/main" id="{7BA399A7-A0A0-0901-D10B-0F7DA2F22AED}"/>
+                <a16:creationId xmlns:a16="http://schemas.microsoft.com/office/drawing/2014/main" id="{97246532-158F-6716-5703-448243505B72}"/>
               </a:ext>
             </a:extLst>
           </p:cNvPr>
@@ -1987,7 +1987,7 @@
           <p:cNvPr id="5" name="灯片编号占位符 4">
             <a:extLst>
               <a:ext uri="{FF2B5EF4-FFF2-40B4-BE49-F238E27FC236}">
-                <a16:creationId xmlns:a16="http://schemas.microsoft.com/office/drawing/2014/main" id="{A985E91B-7BBE-5280-CD6B-3C0326E05CBD}"/>
+                <a16:creationId xmlns:a16="http://schemas.microsoft.com/office/drawing/2014/main" id="{480B9209-4910-581C-80B2-6536BB55927A}"/>
               </a:ext>
             </a:extLst>
           </p:cNvPr>
@@ -2003,7 +2003,7 @@
           <a:bodyPr/>
           <a:lstStyle/>
           <a:p>
-            <a:fld id="{4B596281-6E48-463C-9754-F0E5F29AC31B}" type="slidenum">
+            <a:fld id="{7EB7BB58-02C7-421C-8459-3A9CF1F5B714}" type="slidenum">
               <a:rPr lang="zh-CN" altLang="en-US" smtClean="0"/>
               <a:t>‹#›</a:t>
             </a:fld>
@@ -2014,7 +2014,7 @@
     </p:spTree>
     <p:extLst>
       <p:ext uri="{BB962C8B-B14F-4D97-AF65-F5344CB8AC3E}">
-        <p14:creationId xmlns:p14="http://schemas.microsoft.com/office/powerpoint/2010/main" val="1089090632"/>
+        <p14:creationId xmlns:p14="http://schemas.microsoft.com/office/powerpoint/2010/main" val="168017327"/>
       </p:ext>
     </p:extLst>
   </p:cSld>
@@ -2046,7 +2046,7 @@
           <p:cNvPr id="2" name="日期占位符 1">
             <a:extLst>
               <a:ext uri="{FF2B5EF4-FFF2-40B4-BE49-F238E27FC236}">
-                <a16:creationId xmlns:a16="http://schemas.microsoft.com/office/drawing/2014/main" id="{0CF36DF6-312F-35F2-93F2-B78BA1B4C52A}"/>
+                <a16:creationId xmlns:a16="http://schemas.microsoft.com/office/drawing/2014/main" id="{3AC4AC49-30C2-9A2E-9911-3A7C09D79E89}"/>
               </a:ext>
             </a:extLst>
           </p:cNvPr>
@@ -2062,7 +2062,7 @@
           <a:bodyPr/>
           <a:lstStyle/>
           <a:p>
-            <a:fld id="{F0276B85-FA05-4E97-8920-34AE6100716B}" type="datetimeFigureOut">
+            <a:fld id="{60AED17F-D7B4-484D-A9EF-6EDB8C65E731}" type="datetimeFigureOut">
               <a:rPr lang="zh-CN" altLang="en-US" smtClean="0"/>
               <a:t>2024/3/10</a:t>
             </a:fld>
@@ -2075,7 +2075,7 @@
           <p:cNvPr id="3" name="页脚占位符 2">
             <a:extLst>
               <a:ext uri="{FF2B5EF4-FFF2-40B4-BE49-F238E27FC236}">
-                <a16:creationId xmlns:a16="http://schemas.microsoft.com/office/drawing/2014/main" id="{9EBE661B-F053-527E-FDCD-B0532DFA250F}"/>
+                <a16:creationId xmlns:a16="http://schemas.microsoft.com/office/drawing/2014/main" id="{D45EE43E-AD9B-069F-841B-F567EE625B7A}"/>
               </a:ext>
             </a:extLst>
           </p:cNvPr>
@@ -2100,7 +2100,7 @@
           <p:cNvPr id="4" name="灯片编号占位符 3">
             <a:extLst>
               <a:ext uri="{FF2B5EF4-FFF2-40B4-BE49-F238E27FC236}">
-                <a16:creationId xmlns:a16="http://schemas.microsoft.com/office/drawing/2014/main" id="{FE5A3918-29E7-09A7-B0D9-236E301697EE}"/>
+                <a16:creationId xmlns:a16="http://schemas.microsoft.com/office/drawing/2014/main" id="{A5CFB1D8-F5E0-65E6-C72C-ED5D4E897431}"/>
               </a:ext>
             </a:extLst>
           </p:cNvPr>
@@ -2116,7 +2116,7 @@
           <a:bodyPr/>
           <a:lstStyle/>
           <a:p>
-            <a:fld id="{4B596281-6E48-463C-9754-F0E5F29AC31B}" type="slidenum">
+            <a:fld id="{7EB7BB58-02C7-421C-8459-3A9CF1F5B714}" type="slidenum">
               <a:rPr lang="zh-CN" altLang="en-US" smtClean="0"/>
               <a:t>‹#›</a:t>
             </a:fld>
@@ -2127,7 +2127,7 @@
     </p:spTree>
     <p:extLst>
       <p:ext uri="{BB962C8B-B14F-4D97-AF65-F5344CB8AC3E}">
-        <p14:creationId xmlns:p14="http://schemas.microsoft.com/office/powerpoint/2010/main" val="295918000"/>
+        <p14:creationId xmlns:p14="http://schemas.microsoft.com/office/powerpoint/2010/main" val="4243029389"/>
       </p:ext>
     </p:extLst>
   </p:cSld>
@@ -2159,7 +2159,7 @@
           <p:cNvPr id="2" name="标题 1">
             <a:extLst>
               <a:ext uri="{FF2B5EF4-FFF2-40B4-BE49-F238E27FC236}">
-                <a16:creationId xmlns:a16="http://schemas.microsoft.com/office/drawing/2014/main" id="{EBC8C8CD-72C3-C68B-C7C0-4722365B2448}"/>
+                <a16:creationId xmlns:a16="http://schemas.microsoft.com/office/drawing/2014/main" id="{A82D0DCC-74E1-ADB6-FE54-3A54B79C48A3}"/>
               </a:ext>
             </a:extLst>
           </p:cNvPr>
@@ -2196,7 +2196,7 @@
           <p:cNvPr id="3" name="内容占位符 2">
             <a:extLst>
               <a:ext uri="{FF2B5EF4-FFF2-40B4-BE49-F238E27FC236}">
-                <a16:creationId xmlns:a16="http://schemas.microsoft.com/office/drawing/2014/main" id="{E4AFB612-9094-5225-9D09-AF63B19D6722}"/>
+                <a16:creationId xmlns:a16="http://schemas.microsoft.com/office/drawing/2014/main" id="{83815B2C-D832-679B-364A-9AA0A7867B4D}"/>
               </a:ext>
             </a:extLst>
           </p:cNvPr>
@@ -2286,7 +2286,7 @@
           <p:cNvPr id="4" name="文本占位符 3">
             <a:extLst>
               <a:ext uri="{FF2B5EF4-FFF2-40B4-BE49-F238E27FC236}">
-                <a16:creationId xmlns:a16="http://schemas.microsoft.com/office/drawing/2014/main" id="{2DF84975-0897-BBE8-E7E9-AE39B6BBB175}"/>
+                <a16:creationId xmlns:a16="http://schemas.microsoft.com/office/drawing/2014/main" id="{0BFC46E3-7C28-AAB8-E158-66249005E116}"/>
               </a:ext>
             </a:extLst>
           </p:cNvPr>
@@ -2357,7 +2357,7 @@
           <p:cNvPr id="5" name="日期占位符 4">
             <a:extLst>
               <a:ext uri="{FF2B5EF4-FFF2-40B4-BE49-F238E27FC236}">
-                <a16:creationId xmlns:a16="http://schemas.microsoft.com/office/drawing/2014/main" id="{1FC6FEF0-6D7F-59EB-9E74-D4901BAA7B44}"/>
+                <a16:creationId xmlns:a16="http://schemas.microsoft.com/office/drawing/2014/main" id="{3B6ED79C-1969-7623-7830-F01A1924D53B}"/>
               </a:ext>
             </a:extLst>
           </p:cNvPr>
@@ -2373,7 +2373,7 @@
           <a:bodyPr/>
           <a:lstStyle/>
           <a:p>
-            <a:fld id="{F0276B85-FA05-4E97-8920-34AE6100716B}" type="datetimeFigureOut">
+            <a:fld id="{60AED17F-D7B4-484D-A9EF-6EDB8C65E731}" type="datetimeFigureOut">
               <a:rPr lang="zh-CN" altLang="en-US" smtClean="0"/>
               <a:t>2024/3/10</a:t>
             </a:fld>
@@ -2386,7 +2386,7 @@
           <p:cNvPr id="6" name="页脚占位符 5">
             <a:extLst>
               <a:ext uri="{FF2B5EF4-FFF2-40B4-BE49-F238E27FC236}">
-                <a16:creationId xmlns:a16="http://schemas.microsoft.com/office/drawing/2014/main" id="{D4E53ADF-B8A5-FCE6-3E4F-B94E6D780E84}"/>
+                <a16:creationId xmlns:a16="http://schemas.microsoft.com/office/drawing/2014/main" id="{C730C27D-EBBD-A4EC-7F5F-4DD28AE25B3B}"/>
               </a:ext>
             </a:extLst>
           </p:cNvPr>
@@ -2411,7 +2411,7 @@
           <p:cNvPr id="7" name="灯片编号占位符 6">
             <a:extLst>
               <a:ext uri="{FF2B5EF4-FFF2-40B4-BE49-F238E27FC236}">
-                <a16:creationId xmlns:a16="http://schemas.microsoft.com/office/drawing/2014/main" id="{A8DD0995-4370-3E03-CCA1-3CB7E6FAE0BB}"/>
+                <a16:creationId xmlns:a16="http://schemas.microsoft.com/office/drawing/2014/main" id="{518B3FEC-E9FC-5CAF-984E-E4305E3BD6EF}"/>
               </a:ext>
             </a:extLst>
           </p:cNvPr>
@@ -2427,7 +2427,7 @@
           <a:bodyPr/>
           <a:lstStyle/>
           <a:p>
-            <a:fld id="{4B596281-6E48-463C-9754-F0E5F29AC31B}" type="slidenum">
+            <a:fld id="{7EB7BB58-02C7-421C-8459-3A9CF1F5B714}" type="slidenum">
               <a:rPr lang="zh-CN" altLang="en-US" smtClean="0"/>
               <a:t>‹#›</a:t>
             </a:fld>
@@ -2438,7 +2438,7 @@
     </p:spTree>
     <p:extLst>
       <p:ext uri="{BB962C8B-B14F-4D97-AF65-F5344CB8AC3E}">
-        <p14:creationId xmlns:p14="http://schemas.microsoft.com/office/powerpoint/2010/main" val="2695667584"/>
+        <p14:creationId xmlns:p14="http://schemas.microsoft.com/office/powerpoint/2010/main" val="2329317054"/>
       </p:ext>
     </p:extLst>
   </p:cSld>
@@ -2470,7 +2470,7 @@
           <p:cNvPr id="2" name="标题 1">
             <a:extLst>
               <a:ext uri="{FF2B5EF4-FFF2-40B4-BE49-F238E27FC236}">
-                <a16:creationId xmlns:a16="http://schemas.microsoft.com/office/drawing/2014/main" id="{766688AA-00F6-3BCE-8837-808DD3A9F764}"/>
+                <a16:creationId xmlns:a16="http://schemas.microsoft.com/office/drawing/2014/main" id="{B225794F-FD6D-48A7-2060-3DB0DAED9F94}"/>
               </a:ext>
             </a:extLst>
           </p:cNvPr>
@@ -2507,7 +2507,7 @@
           <p:cNvPr id="3" name="图片占位符 2">
             <a:extLst>
               <a:ext uri="{FF2B5EF4-FFF2-40B4-BE49-F238E27FC236}">
-                <a16:creationId xmlns:a16="http://schemas.microsoft.com/office/drawing/2014/main" id="{6C040DD3-194A-D07E-4F10-8368E327E12C}"/>
+                <a16:creationId xmlns:a16="http://schemas.microsoft.com/office/drawing/2014/main" id="{4771AD8E-EE67-34FC-5296-E314C0DF22D2}"/>
               </a:ext>
             </a:extLst>
           </p:cNvPr>
@@ -2574,7 +2574,7 @@
           <p:cNvPr id="4" name="文本占位符 3">
             <a:extLst>
               <a:ext uri="{FF2B5EF4-FFF2-40B4-BE49-F238E27FC236}">
-                <a16:creationId xmlns:a16="http://schemas.microsoft.com/office/drawing/2014/main" id="{1FA1673D-CA8F-D813-009B-D59547B0CE29}"/>
+                <a16:creationId xmlns:a16="http://schemas.microsoft.com/office/drawing/2014/main" id="{7FF1BE54-61B6-3F84-1D85-D3D9D3F0C23C}"/>
               </a:ext>
             </a:extLst>
           </p:cNvPr>
@@ -2645,7 +2645,7 @@
           <p:cNvPr id="5" name="日期占位符 4">
             <a:extLst>
               <a:ext uri="{FF2B5EF4-FFF2-40B4-BE49-F238E27FC236}">
-                <a16:creationId xmlns:a16="http://schemas.microsoft.com/office/drawing/2014/main" id="{6BF5455A-B0AD-459D-37BA-2A0ADF32A120}"/>
+                <a16:creationId xmlns:a16="http://schemas.microsoft.com/office/drawing/2014/main" id="{D51FE856-6FCC-F4C4-49DC-7ADE6B1CEBC7}"/>
               </a:ext>
             </a:extLst>
           </p:cNvPr>
@@ -2661,7 +2661,7 @@
           <a:bodyPr/>
           <a:lstStyle/>
           <a:p>
-            <a:fld id="{F0276B85-FA05-4E97-8920-34AE6100716B}" type="datetimeFigureOut">
+            <a:fld id="{60AED17F-D7B4-484D-A9EF-6EDB8C65E731}" type="datetimeFigureOut">
               <a:rPr lang="zh-CN" altLang="en-US" smtClean="0"/>
               <a:t>2024/3/10</a:t>
             </a:fld>
@@ -2674,7 +2674,7 @@
           <p:cNvPr id="6" name="页脚占位符 5">
             <a:extLst>
               <a:ext uri="{FF2B5EF4-FFF2-40B4-BE49-F238E27FC236}">
-                <a16:creationId xmlns:a16="http://schemas.microsoft.com/office/drawing/2014/main" id="{A92552BA-8C40-4905-4348-714452928315}"/>
+                <a16:creationId xmlns:a16="http://schemas.microsoft.com/office/drawing/2014/main" id="{9F015A1A-5C10-7ED6-EA8B-733D3C90CA32}"/>
               </a:ext>
             </a:extLst>
           </p:cNvPr>
@@ -2699,7 +2699,7 @@
           <p:cNvPr id="7" name="灯片编号占位符 6">
             <a:extLst>
               <a:ext uri="{FF2B5EF4-FFF2-40B4-BE49-F238E27FC236}">
-                <a16:creationId xmlns:a16="http://schemas.microsoft.com/office/drawing/2014/main" id="{F7154B7E-ED64-C1BB-207F-B7E645E49051}"/>
+                <a16:creationId xmlns:a16="http://schemas.microsoft.com/office/drawing/2014/main" id="{7CB7D861-429E-C5AD-5FB6-40F81DC1524E}"/>
               </a:ext>
             </a:extLst>
           </p:cNvPr>
@@ -2715,7 +2715,7 @@
           <a:bodyPr/>
           <a:lstStyle/>
           <a:p>
-            <a:fld id="{4B596281-6E48-463C-9754-F0E5F29AC31B}" type="slidenum">
+            <a:fld id="{7EB7BB58-02C7-421C-8459-3A9CF1F5B714}" type="slidenum">
               <a:rPr lang="zh-CN" altLang="en-US" smtClean="0"/>
               <a:t>‹#›</a:t>
             </a:fld>
@@ -2726,7 +2726,7 @@
     </p:spTree>
     <p:extLst>
       <p:ext uri="{BB962C8B-B14F-4D97-AF65-F5344CB8AC3E}">
-        <p14:creationId xmlns:p14="http://schemas.microsoft.com/office/powerpoint/2010/main" val="4130909463"/>
+        <p14:creationId xmlns:p14="http://schemas.microsoft.com/office/powerpoint/2010/main" val="1540619619"/>
       </p:ext>
     </p:extLst>
   </p:cSld>
@@ -2763,7 +2763,7 @@
           <p:cNvPr id="2" name="标题占位符 1">
             <a:extLst>
               <a:ext uri="{FF2B5EF4-FFF2-40B4-BE49-F238E27FC236}">
-                <a16:creationId xmlns:a16="http://schemas.microsoft.com/office/drawing/2014/main" id="{C2C82958-266E-6664-16AF-C88334CE3F4B}"/>
+                <a16:creationId xmlns:a16="http://schemas.microsoft.com/office/drawing/2014/main" id="{809292E6-DD85-7C3D-1EF1-1786BD41D6F8}"/>
               </a:ext>
             </a:extLst>
           </p:cNvPr>
@@ -2801,7 +2801,7 @@
           <p:cNvPr id="3" name="文本占位符 2">
             <a:extLst>
               <a:ext uri="{FF2B5EF4-FFF2-40B4-BE49-F238E27FC236}">
-                <a16:creationId xmlns:a16="http://schemas.microsoft.com/office/drawing/2014/main" id="{801F4683-C4BF-1E45-EEFC-3361212497F1}"/>
+                <a16:creationId xmlns:a16="http://schemas.microsoft.com/office/drawing/2014/main" id="{F91344C9-08D2-12FB-26AC-995141316E0F}"/>
               </a:ext>
             </a:extLst>
           </p:cNvPr>
@@ -2868,7 +2868,7 @@
           <p:cNvPr id="4" name="日期占位符 3">
             <a:extLst>
               <a:ext uri="{FF2B5EF4-FFF2-40B4-BE49-F238E27FC236}">
-                <a16:creationId xmlns:a16="http://schemas.microsoft.com/office/drawing/2014/main" id="{0D20AD63-7B75-762F-C2E5-FCD606C68479}"/>
+                <a16:creationId xmlns:a16="http://schemas.microsoft.com/office/drawing/2014/main" id="{0E2B42EA-AF25-A29C-3EE8-F714203C2FE6}"/>
               </a:ext>
             </a:extLst>
           </p:cNvPr>
@@ -2902,7 +2902,7 @@
             </a:lvl1pPr>
           </a:lstStyle>
           <a:p>
-            <a:fld id="{F0276B85-FA05-4E97-8920-34AE6100716B}" type="datetimeFigureOut">
+            <a:fld id="{60AED17F-D7B4-484D-A9EF-6EDB8C65E731}" type="datetimeFigureOut">
               <a:rPr lang="zh-CN" altLang="en-US" smtClean="0"/>
               <a:t>2024/3/10</a:t>
             </a:fld>
@@ -2915,7 +2915,7 @@
           <p:cNvPr id="5" name="页脚占位符 4">
             <a:extLst>
               <a:ext uri="{FF2B5EF4-FFF2-40B4-BE49-F238E27FC236}">
-                <a16:creationId xmlns:a16="http://schemas.microsoft.com/office/drawing/2014/main" id="{E5BF5E29-9029-4B88-BBA1-55B1F77BE26C}"/>
+                <a16:creationId xmlns:a16="http://schemas.microsoft.com/office/drawing/2014/main" id="{D6299057-2359-3093-2076-94A7B0BA9CAE}"/>
               </a:ext>
             </a:extLst>
           </p:cNvPr>
@@ -2958,7 +2958,7 @@
           <p:cNvPr id="6" name="灯片编号占位符 5">
             <a:extLst>
               <a:ext uri="{FF2B5EF4-FFF2-40B4-BE49-F238E27FC236}">
-                <a16:creationId xmlns:a16="http://schemas.microsoft.com/office/drawing/2014/main" id="{58C922F7-DEF5-4681-BE2C-5C6BC3442088}"/>
+                <a16:creationId xmlns:a16="http://schemas.microsoft.com/office/drawing/2014/main" id="{23D358BD-7B78-B9CF-95BA-4AFB28CA8383}"/>
               </a:ext>
             </a:extLst>
           </p:cNvPr>
@@ -2992,7 +2992,7 @@
             </a:lvl1pPr>
           </a:lstStyle>
           <a:p>
-            <a:fld id="{4B596281-6E48-463C-9754-F0E5F29AC31B}" type="slidenum">
+            <a:fld id="{7EB7BB58-02C7-421C-8459-3A9CF1F5B714}" type="slidenum">
               <a:rPr lang="zh-CN" altLang="en-US" smtClean="0"/>
               <a:t>‹#›</a:t>
             </a:fld>
@@ -3003,7 +3003,7 @@
     </p:spTree>
     <p:extLst>
       <p:ext uri="{BB962C8B-B14F-4D97-AF65-F5344CB8AC3E}">
-        <p14:creationId xmlns:p14="http://schemas.microsoft.com/office/powerpoint/2010/main" val="3325145825"/>
+        <p14:creationId xmlns:p14="http://schemas.microsoft.com/office/powerpoint/2010/main" val="1385707934"/>
       </p:ext>
     </p:extLst>
   </p:cSld>
